--- a/slides/01-microservices.pptx
+++ b/slides/01-microservices.pptx
@@ -235,7 +235,7 @@
             <a:fld id="{9B9DEF3A-83EA-5A42-9887-28D7600E3DEA}" type="datetimeFigureOut">
               <a:rPr lang="de-DE" smtClean="0"/>
               <a:pPr/>
-              <a:t>30.10.16</a:t>
+              <a:t>03.11.2016</a:t>
             </a:fld>
             <a:endParaRPr lang="de-DE"/>
           </a:p>
@@ -302,7 +302,7 @@
             <a:fld id="{73B8A51C-A989-804A-91CA-DFC71EAF8DE9}" type="slidenum">
               <a:rPr lang="de-DE" smtClean="0"/>
               <a:pPr/>
-              <a:t>‹#›</a:t>
+              <a:t>‹Nr.›</a:t>
             </a:fld>
             <a:endParaRPr lang="de-DE"/>
           </a:p>
@@ -403,7 +403,7 @@
             <a:fld id="{24E86720-D4F8-544E-A070-C87B625BF7D9}" type="datetimeFigureOut">
               <a:rPr lang="de-DE" smtClean="0"/>
               <a:pPr/>
-              <a:t>30.10.16</a:t>
+              <a:t>03.11.2016</a:t>
             </a:fld>
             <a:endParaRPr lang="de-DE"/>
           </a:p>
@@ -565,7 +565,7 @@
             <a:fld id="{4E1250B5-9814-5240-95CB-F8E1F528E3B6}" type="slidenum">
               <a:rPr lang="de-DE" smtClean="0"/>
               <a:pPr/>
-              <a:t>‹#›</a:t>
+              <a:t>‹Nr.›</a:t>
             </a:fld>
             <a:endParaRPr lang="de-DE"/>
           </a:p>
@@ -1087,7 +1087,7 @@
           <a:graphicData uri="http://schemas.openxmlformats.org/presentationml/2006/ole">
             <mc:AlternateContent xmlns:mc="http://schemas.openxmlformats.org/markup-compatibility/2006">
               <mc:Choice xmlns:v="urn:schemas-microsoft-com:vml" Requires="v">
-                <p:oleObj spid="_x0000_s91604" name="think-cell Folie" r:id="rId4" imgW="270" imgH="270" progId="TCLayout.ActiveDocument.1">
+                <p:oleObj spid="_x0000_s91608" name="think-cell Folie" r:id="rId4" imgW="270" imgH="270" progId="TCLayout.ActiveDocument.1">
                   <p:embed/>
                 </p:oleObj>
               </mc:Choice>
@@ -1236,7 +1236,7 @@
             <a:fld id="{EBCCEB8C-0C59-3646-8774-4E9611D20F23}" type="slidenum">
               <a:rPr lang="de-DE" smtClean="0"/>
               <a:pPr/>
-              <a:t>‹#›</a:t>
+              <a:t>‹Nr.›</a:t>
             </a:fld>
             <a:endParaRPr lang="de-DE" dirty="0"/>
           </a:p>
@@ -1496,7 +1496,7 @@
           <a:graphicData uri="http://schemas.openxmlformats.org/presentationml/2006/ole">
             <mc:AlternateContent xmlns:mc="http://schemas.openxmlformats.org/markup-compatibility/2006">
               <mc:Choice xmlns:v="urn:schemas-microsoft-com:vml" Requires="v">
-                <p:oleObj spid="_x0000_s102815" name="think-cell Folie" r:id="rId4" imgW="270" imgH="270" progId="TCLayout.ActiveDocument.1">
+                <p:oleObj spid="_x0000_s102819" name="think-cell Folie" r:id="rId4" imgW="270" imgH="270" progId="TCLayout.ActiveDocument.1">
                   <p:embed/>
                 </p:oleObj>
               </mc:Choice>
@@ -1558,7 +1558,7 @@
             <a:fld id="{EBCCEB8C-0C59-3646-8774-4E9611D20F23}" type="slidenum">
               <a:rPr lang="de-DE" smtClean="0"/>
               <a:pPr/>
-              <a:t>‹#›</a:t>
+              <a:t>‹Nr.›</a:t>
             </a:fld>
             <a:endParaRPr lang="de-DE" dirty="0"/>
           </a:p>
@@ -1717,7 +1717,7 @@
           <a:graphicData uri="http://schemas.openxmlformats.org/presentationml/2006/ole">
             <mc:AlternateContent xmlns:mc="http://schemas.openxmlformats.org/markup-compatibility/2006">
               <mc:Choice xmlns:v="urn:schemas-microsoft-com:vml" Requires="v">
-                <p:oleObj spid="_x0000_s106884" name="think-cell Folie" r:id="rId4" imgW="270" imgH="270" progId="TCLayout.ActiveDocument.1">
+                <p:oleObj spid="_x0000_s106888" name="think-cell Folie" r:id="rId4" imgW="270" imgH="270" progId="TCLayout.ActiveDocument.1">
                   <p:embed/>
                 </p:oleObj>
               </mc:Choice>
@@ -1783,7 +1783,7 @@
             <a:fld id="{EBCCEB8C-0C59-3646-8774-4E9611D20F23}" type="slidenum">
               <a:rPr lang="de-DE" smtClean="0"/>
               <a:pPr/>
-              <a:t>‹#›</a:t>
+              <a:t>‹Nr.›</a:t>
             </a:fld>
             <a:endParaRPr lang="de-DE" dirty="0"/>
           </a:p>
@@ -1943,7 +1943,7 @@
           <a:graphicData uri="http://schemas.openxmlformats.org/presentationml/2006/ole">
             <mc:AlternateContent xmlns:mc="http://schemas.openxmlformats.org/markup-compatibility/2006">
               <mc:Choice xmlns:v="urn:schemas-microsoft-com:vml" Requires="v">
-                <p:oleObj spid="_x0000_s133347" name="think-cell Folie" r:id="rId8" imgW="359" imgH="358" progId="TCLayout.ActiveDocument.1">
+                <p:oleObj spid="_x0000_s133351" name="think-cell Folie" r:id="rId8" imgW="359" imgH="358" progId="TCLayout.ActiveDocument.1">
                   <p:embed/>
                 </p:oleObj>
               </mc:Choice>
@@ -2059,7 +2059,7 @@
             <a:fld id="{EBCCEB8C-0C59-3646-8774-4E9611D20F23}" type="slidenum">
               <a:rPr lang="de-DE" smtClean="0"/>
               <a:pPr/>
-              <a:t>‹#›</a:t>
+              <a:t>‹Nr.›</a:t>
             </a:fld>
             <a:endParaRPr lang="de-DE" dirty="0"/>
           </a:p>
@@ -3025,23 +3025,231 @@
           <a:p>
             <a:r>
               <a:rPr lang="de-DE" sz="2400" b="1" dirty="0" err="1" smtClean="0"/>
-              <a:t>Elastically</a:t>
+              <a:t>Hyperscale</a:t>
+            </a:r>
+            <a:r>
+              <a:rPr lang="de-DE" sz="2400" b="1" dirty="0"/>
+              <a:t> </a:t>
+            </a:r>
+            <a:r>
+              <a:rPr lang="de-DE" sz="2400" b="1" dirty="0" err="1"/>
+              <a:t>resources</a:t>
+            </a:r>
+            <a:r>
+              <a:rPr lang="de-DE" sz="2400" b="1" dirty="0"/>
+              <a:t> </a:t>
+            </a:r>
+            <a:r>
+              <a:rPr lang="de-DE" sz="2400" dirty="0"/>
+              <a:t>(</a:t>
+            </a:r>
+            <a:r>
+              <a:rPr lang="de-DE" sz="2400" dirty="0" err="1"/>
+              <a:t>elastically</a:t>
+            </a:r>
+            <a:r>
+              <a:rPr lang="de-DE" sz="2400" dirty="0"/>
+              <a:t> </a:t>
+            </a:r>
+            <a:r>
+              <a:rPr lang="de-DE" sz="2400" dirty="0" err="1"/>
+              <a:t>scale</a:t>
+            </a:r>
+            <a:r>
+              <a:rPr lang="de-DE" sz="2400" dirty="0"/>
+              <a:t>-out) </a:t>
+            </a:r>
+            <a:r>
+              <a:rPr lang="de-DE" sz="2400" dirty="0" err="1" smtClean="0"/>
+              <a:t>depending</a:t>
+            </a:r>
+            <a:r>
+              <a:rPr lang="de-DE" sz="2400" dirty="0" smtClean="0"/>
+              <a:t> on </a:t>
+            </a:r>
+            <a:r>
+              <a:rPr lang="de-DE" sz="2400" dirty="0" err="1" smtClean="0"/>
+              <a:t>traffic</a:t>
+            </a:r>
+            <a:r>
+              <a:rPr lang="de-DE" sz="2400" dirty="0" smtClean="0"/>
+              <a:t> </a:t>
+            </a:r>
+            <a:r>
+              <a:rPr lang="de-DE" sz="2400" dirty="0" err="1" smtClean="0"/>
+              <a:t>and</a:t>
+            </a:r>
+            <a:r>
+              <a:rPr lang="de-DE" sz="2400" dirty="0" smtClean="0"/>
+              <a:t> </a:t>
+            </a:r>
+            <a:r>
+              <a:rPr lang="de-DE" sz="2400" dirty="0" err="1" smtClean="0"/>
+              <a:t>data</a:t>
+            </a:r>
+            <a:endParaRPr lang="de-DE" sz="2400" dirty="0" smtClean="0"/>
+          </a:p>
+          <a:p>
+            <a:r>
+              <a:rPr lang="de-DE" sz="2400" b="1" dirty="0" err="1" smtClean="0"/>
+              <a:t>Hyperscale</a:t>
             </a:r>
             <a:r>
               <a:rPr lang="de-DE" sz="2400" b="1" dirty="0" smtClean="0"/>
               <a:t> </a:t>
             </a:r>
             <a:r>
-              <a:rPr lang="de-DE" sz="2400" b="1" dirty="0" err="1"/>
-              <a:t>s</a:t>
-            </a:r>
-            <a:r>
               <a:rPr lang="de-DE" sz="2400" b="1" dirty="0" err="1" smtClean="0"/>
-              <a:t>cale</a:t>
+              <a:t>with</a:t>
             </a:r>
             <a:r>
               <a:rPr lang="de-DE" sz="2400" b="1" dirty="0" smtClean="0"/>
-              <a:t>-out</a:t>
+              <a:t> </a:t>
+            </a:r>
+            <a:r>
+              <a:rPr lang="de-DE" sz="2400" b="1" dirty="0" err="1" smtClean="0"/>
+              <a:t>sucess</a:t>
+            </a:r>
+            <a:r>
+              <a:rPr lang="de-DE" sz="2400" b="1" dirty="0" smtClean="0"/>
+              <a:t> </a:t>
+            </a:r>
+            <a:r>
+              <a:rPr lang="de-DE" sz="2400" dirty="0" smtClean="0"/>
+              <a:t>(</a:t>
+            </a:r>
+            <a:r>
+              <a:rPr lang="de-DE" sz="2400" dirty="0" err="1"/>
+              <a:t>p</a:t>
+            </a:r>
+            <a:r>
+              <a:rPr lang="de-DE" sz="2400" dirty="0" err="1" smtClean="0"/>
+              <a:t>ay-as-you</a:t>
+            </a:r>
+            <a:r>
+              <a:rPr lang="de-DE" sz="2400" dirty="0" smtClean="0"/>
+              <a:t> </a:t>
+            </a:r>
+            <a:r>
+              <a:rPr lang="de-DE" sz="2400" dirty="0" err="1" smtClean="0"/>
+              <a:t>go</a:t>
+            </a:r>
+            <a:r>
+              <a:rPr lang="de-DE" sz="2400" dirty="0" smtClean="0"/>
+              <a:t>).</a:t>
+            </a:r>
+            <a:r>
+              <a:rPr lang="de-DE" sz="2400" dirty="0" smtClean="0"/>
+              <a:t> </a:t>
+            </a:r>
+            <a:r>
+              <a:rPr lang="de-DE" sz="2400" dirty="0" err="1"/>
+              <a:t>No</a:t>
+            </a:r>
+            <a:r>
+              <a:rPr lang="de-DE" sz="2400" dirty="0"/>
+              <a:t> </a:t>
+            </a:r>
+            <a:r>
+              <a:rPr lang="de-DE" sz="2400" dirty="0" err="1"/>
+              <a:t>opportunity</a:t>
+            </a:r>
+            <a:r>
+              <a:rPr lang="de-DE" sz="2400" dirty="0"/>
+              <a:t> </a:t>
+            </a:r>
+            <a:r>
+              <a:rPr lang="de-DE" sz="2400" dirty="0" err="1" smtClean="0"/>
+              <a:t>costs</a:t>
+            </a:r>
+            <a:r>
+              <a:rPr lang="de-DE" sz="2400" dirty="0" smtClean="0"/>
+              <a:t> </a:t>
+            </a:r>
+            <a:r>
+              <a:rPr lang="de-DE" sz="2400" dirty="0" err="1" smtClean="0"/>
+              <a:t>with</a:t>
+            </a:r>
+            <a:r>
+              <a:rPr lang="de-DE" sz="2400" dirty="0" smtClean="0"/>
+              <a:t> </a:t>
+            </a:r>
+            <a:r>
+              <a:rPr lang="de-DE" sz="2400" dirty="0" smtClean="0"/>
+              <a:t>&lt;10</a:t>
+            </a:r>
+            <a:r>
+              <a:rPr lang="de-DE" sz="2400" dirty="0" smtClean="0"/>
+              <a:t>% </a:t>
+            </a:r>
+            <a:r>
+              <a:rPr lang="de-DE" sz="2400" dirty="0" smtClean="0">
+                <a:sym typeface="Wingdings" panose="05000000000000000000" pitchFamily="2" charset="2"/>
+              </a:rPr>
+              <a:t> 40-50% </a:t>
+            </a:r>
+            <a:r>
+              <a:rPr lang="de-DE" sz="2400" dirty="0" err="1" smtClean="0">
+                <a:sym typeface="Wingdings" panose="05000000000000000000" pitchFamily="2" charset="2"/>
+              </a:rPr>
+              <a:t>utilization</a:t>
+            </a:r>
+            <a:r>
+              <a:rPr lang="de-DE" sz="2400" dirty="0" smtClean="0">
+                <a:sym typeface="Wingdings" panose="05000000000000000000" pitchFamily="2" charset="2"/>
+              </a:rPr>
+              <a:t> </a:t>
+            </a:r>
+            <a:r>
+              <a:rPr lang="de-DE" sz="2400" dirty="0" err="1" smtClean="0">
+                <a:sym typeface="Wingdings" panose="05000000000000000000" pitchFamily="2" charset="2"/>
+              </a:rPr>
+              <a:t>and</a:t>
+            </a:r>
+            <a:r>
+              <a:rPr lang="de-DE" sz="2400" dirty="0" smtClean="0">
+                <a:sym typeface="Wingdings" panose="05000000000000000000" pitchFamily="2" charset="2"/>
+              </a:rPr>
+              <a:t> </a:t>
+            </a:r>
+            <a:r>
+              <a:rPr lang="de-DE" sz="2400" dirty="0" err="1" smtClean="0">
+                <a:sym typeface="Wingdings" panose="05000000000000000000" pitchFamily="2" charset="2"/>
+              </a:rPr>
+              <a:t>automate</a:t>
+            </a:r>
+            <a:r>
+              <a:rPr lang="de-DE" sz="2400" dirty="0" smtClean="0">
+                <a:sym typeface="Wingdings" panose="05000000000000000000" pitchFamily="2" charset="2"/>
+              </a:rPr>
+              <a:t> </a:t>
+            </a:r>
+            <a:r>
+              <a:rPr lang="de-DE" sz="2400" dirty="0" err="1" smtClean="0">
+                <a:sym typeface="Wingdings" panose="05000000000000000000" pitchFamily="2" charset="2"/>
+              </a:rPr>
+              <a:t>everything</a:t>
+            </a:r>
+            <a:r>
+              <a:rPr lang="de-DE" sz="2400" dirty="0">
+                <a:sym typeface="Wingdings" panose="05000000000000000000" pitchFamily="2" charset="2"/>
+              </a:rPr>
+              <a:t>.</a:t>
+            </a:r>
+            <a:endParaRPr lang="de-DE" sz="2400" dirty="0" smtClean="0"/>
+          </a:p>
+          <a:p>
+            <a:r>
+              <a:rPr lang="de-DE" sz="2400" b="1" dirty="0" err="1" smtClean="0"/>
+              <a:t>Hyperscale</a:t>
+            </a:r>
+            <a:r>
+              <a:rPr lang="de-DE" sz="2400" b="1" dirty="0" smtClean="0"/>
+              <a:t> </a:t>
+            </a:r>
+            <a:r>
+              <a:rPr lang="de-DE" sz="2400" b="1" dirty="0" err="1" smtClean="0"/>
+              <a:t>features</a:t>
             </a:r>
             <a:r>
               <a:rPr lang="de-DE" sz="2400" dirty="0" smtClean="0"/>
@@ -3049,15 +3257,7 @@
             </a:r>
             <a:r>
               <a:rPr lang="de-DE" sz="2400" dirty="0" err="1" smtClean="0"/>
-              <a:t>hyperscale</a:t>
-            </a:r>
-            <a:r>
-              <a:rPr lang="de-DE" sz="2400" dirty="0" smtClean="0"/>
-              <a:t>) in </a:t>
-            </a:r>
-            <a:r>
-              <a:rPr lang="de-DE" sz="2400" dirty="0" err="1" smtClean="0"/>
-              <a:t>terms</a:t>
+              <a:t>continuous</a:t>
             </a:r>
             <a:r>
               <a:rPr lang="de-DE" sz="2400" dirty="0" smtClean="0"/>
@@ -3065,7 +3265,19 @@
             </a:r>
             <a:r>
               <a:rPr lang="de-DE" sz="2400" dirty="0" err="1" smtClean="0"/>
-              <a:t>of</a:t>
+              <a:t>delivery</a:t>
+            </a:r>
+            <a:r>
+              <a:rPr lang="de-DE" sz="2400" dirty="0" smtClean="0"/>
+              <a:t>)</a:t>
+            </a:r>
+            <a:r>
+              <a:rPr lang="de-DE" sz="2400" b="1" dirty="0" smtClean="0"/>
+              <a:t>. </a:t>
+            </a:r>
+            <a:r>
+              <a:rPr lang="de-DE" sz="2400" dirty="0" err="1" smtClean="0"/>
+              <a:t>Join</a:t>
             </a:r>
             <a:r>
               <a:rPr lang="de-DE" sz="2400" dirty="0" smtClean="0"/>
@@ -3073,13 +3285,37 @@
             </a:r>
             <a:r>
               <a:rPr lang="de-DE" sz="2400" dirty="0" err="1" smtClean="0"/>
-              <a:t>traffic</a:t>
+              <a:t>the</a:t>
             </a:r>
             <a:r>
               <a:rPr lang="de-DE" sz="2400" dirty="0" smtClean="0"/>
               <a:t> </a:t>
             </a:r>
             <a:r>
+              <a:rPr lang="de-DE" sz="2400" dirty="0" err="1"/>
+              <a:t>feature</a:t>
+            </a:r>
+            <a:r>
+              <a:rPr lang="de-DE" sz="2400" dirty="0"/>
+              <a:t> </a:t>
+            </a:r>
+            <a:r>
+              <a:rPr lang="de-DE" sz="2400" dirty="0" err="1"/>
+              <a:t>race</a:t>
+            </a:r>
+            <a:r>
+              <a:rPr lang="de-DE" sz="2400" dirty="0"/>
+              <a:t> </a:t>
+            </a:r>
+            <a:r>
+              <a:rPr lang="de-DE" sz="2400" dirty="0" err="1" smtClean="0"/>
+              <a:t>with</a:t>
+            </a:r>
+            <a:r>
+              <a:rPr lang="de-DE" sz="2400" dirty="0" smtClean="0"/>
+              <a:t> CD </a:t>
+            </a:r>
+            <a:r>
               <a:rPr lang="de-DE" sz="2400" dirty="0" err="1" smtClean="0"/>
               <a:t>and</a:t>
             </a:r>
@@ -3089,146 +3325,11 @@
             </a:r>
             <a:r>
               <a:rPr lang="de-DE" sz="2400" dirty="0" err="1" smtClean="0"/>
-              <a:t>data</a:t>
-            </a:r>
-            <a:endParaRPr lang="de-DE" sz="2400" dirty="0" smtClean="0"/>
-          </a:p>
-          <a:p>
-            <a:r>
-              <a:rPr lang="de-DE" sz="2400" b="1" dirty="0" smtClean="0"/>
-              <a:t>Pay-</a:t>
-            </a:r>
-            <a:r>
-              <a:rPr lang="de-DE" sz="2400" b="1" dirty="0" err="1" smtClean="0"/>
-              <a:t>as</a:t>
-            </a:r>
-            <a:r>
-              <a:rPr lang="de-DE" sz="2400" b="1" dirty="0" smtClean="0"/>
-              <a:t>-</a:t>
-            </a:r>
-            <a:r>
-              <a:rPr lang="de-DE" sz="2400" b="1" dirty="0" err="1" smtClean="0"/>
-              <a:t>you</a:t>
-            </a:r>
-            <a:r>
-              <a:rPr lang="de-DE" sz="2400" b="1" dirty="0" smtClean="0"/>
-              <a:t> </a:t>
-            </a:r>
-            <a:r>
-              <a:rPr lang="de-DE" sz="2400" b="1" dirty="0" err="1" smtClean="0"/>
-              <a:t>go</a:t>
+              <a:t>DevOps</a:t>
             </a:r>
             <a:r>
               <a:rPr lang="de-DE" sz="2400" dirty="0" smtClean="0"/>
               <a:t>: </a:t>
-            </a:r>
-            <a:r>
-              <a:rPr lang="de-DE" sz="2400" dirty="0" err="1"/>
-              <a:t>No</a:t>
-            </a:r>
-            <a:r>
-              <a:rPr lang="de-DE" sz="2400" dirty="0"/>
-              <a:t> </a:t>
-            </a:r>
-            <a:r>
-              <a:rPr lang="de-DE" sz="2400" dirty="0" err="1"/>
-              <a:t>opportunity</a:t>
-            </a:r>
-            <a:r>
-              <a:rPr lang="de-DE" sz="2400" dirty="0"/>
-              <a:t> </a:t>
-            </a:r>
-            <a:r>
-              <a:rPr lang="de-DE" sz="2400" dirty="0" err="1" smtClean="0"/>
-              <a:t>costs</a:t>
-            </a:r>
-            <a:r>
-              <a:rPr lang="de-DE" sz="2400" dirty="0" smtClean="0"/>
-              <a:t> </a:t>
-            </a:r>
-            <a:br>
-              <a:rPr lang="de-DE" sz="2400" dirty="0" smtClean="0"/>
-            </a:br>
-            <a:r>
-              <a:rPr lang="de-DE" sz="2400" dirty="0" smtClean="0"/>
-              <a:t>(&lt;10% </a:t>
-            </a:r>
-            <a:r>
-              <a:rPr lang="de-DE" sz="2400" dirty="0" smtClean="0">
-                <a:sym typeface="Wingdings" panose="05000000000000000000" pitchFamily="2" charset="2"/>
-              </a:rPr>
-              <a:t> 40-50% </a:t>
-            </a:r>
-            <a:r>
-              <a:rPr lang="de-DE" sz="2400" dirty="0" err="1" smtClean="0">
-                <a:sym typeface="Wingdings" panose="05000000000000000000" pitchFamily="2" charset="2"/>
-              </a:rPr>
-              <a:t>utilization</a:t>
-            </a:r>
-            <a:r>
-              <a:rPr lang="de-DE" sz="2400" dirty="0" smtClean="0">
-                <a:sym typeface="Wingdings" panose="05000000000000000000" pitchFamily="2" charset="2"/>
-              </a:rPr>
-              <a:t>; </a:t>
-            </a:r>
-            <a:r>
-              <a:rPr lang="de-DE" sz="2400" dirty="0" err="1" smtClean="0">
-                <a:sym typeface="Wingdings" panose="05000000000000000000" pitchFamily="2" charset="2"/>
-              </a:rPr>
-              <a:t>automate</a:t>
-            </a:r>
-            <a:r>
-              <a:rPr lang="de-DE" sz="2400" dirty="0" smtClean="0">
-                <a:sym typeface="Wingdings" panose="05000000000000000000" pitchFamily="2" charset="2"/>
-              </a:rPr>
-              <a:t> </a:t>
-            </a:r>
-            <a:r>
-              <a:rPr lang="de-DE" sz="2400" dirty="0" err="1" smtClean="0">
-                <a:sym typeface="Wingdings" panose="05000000000000000000" pitchFamily="2" charset="2"/>
-              </a:rPr>
-              <a:t>everything</a:t>
-            </a:r>
-            <a:r>
-              <a:rPr lang="de-DE" sz="2400" dirty="0" smtClean="0">
-                <a:sym typeface="Wingdings" panose="05000000000000000000" pitchFamily="2" charset="2"/>
-              </a:rPr>
-              <a:t>)</a:t>
-            </a:r>
-            <a:endParaRPr lang="de-DE" sz="2400" dirty="0" smtClean="0"/>
-          </a:p>
-          <a:p>
-            <a:r>
-              <a:rPr lang="de-DE" sz="2400" b="1" dirty="0" smtClean="0"/>
-              <a:t>Feature </a:t>
-            </a:r>
-            <a:r>
-              <a:rPr lang="de-DE" sz="2400" b="1" dirty="0" err="1" smtClean="0"/>
-              <a:t>race</a:t>
-            </a:r>
-            <a:r>
-              <a:rPr lang="de-DE" sz="2400" b="1" dirty="0" smtClean="0"/>
-              <a:t> </a:t>
-            </a:r>
-            <a:r>
-              <a:rPr lang="de-DE" sz="2400" dirty="0" smtClean="0"/>
-              <a:t>(</a:t>
-            </a:r>
-            <a:r>
-              <a:rPr lang="de-DE" sz="2400" dirty="0" err="1" smtClean="0"/>
-              <a:t>continuous</a:t>
-            </a:r>
-            <a:r>
-              <a:rPr lang="de-DE" sz="2400" dirty="0" smtClean="0"/>
-              <a:t> </a:t>
-            </a:r>
-            <a:r>
-              <a:rPr lang="de-DE" sz="2400" dirty="0" err="1" smtClean="0"/>
-              <a:t>delivery</a:t>
-            </a:r>
-            <a:r>
-              <a:rPr lang="de-DE" sz="2400" dirty="0" smtClean="0"/>
-              <a:t>): </a:t>
             </a:r>
             <a:r>
               <a:rPr lang="de-DE" sz="2400" dirty="0" err="1" smtClean="0"/>
@@ -3782,7 +3883,7 @@
           <a:graphicData uri="http://schemas.openxmlformats.org/presentationml/2006/ole">
             <mc:AlternateContent xmlns:mc="http://schemas.openxmlformats.org/markup-compatibility/2006">
               <mc:Choice xmlns:v="urn:schemas-microsoft-com:vml" Requires="v">
-                <p:oleObj spid="_x0000_s153613" name="think-cell Folie" r:id="rId4" imgW="290" imgH="290" progId="TCLayout.ActiveDocument.1">
+                <p:oleObj spid="_x0000_s153617" name="think-cell Folie" r:id="rId4" imgW="290" imgH="290" progId="TCLayout.ActiveDocument.1">
                   <p:embed/>
                 </p:oleObj>
               </mc:Choice>
@@ -3874,11 +3975,7 @@
             </a:r>
             <a:r>
               <a:rPr lang="de-DE" dirty="0" smtClean="0"/>
-              <a:t> </a:t>
-            </a:r>
-            <a:r>
-              <a:rPr lang="de-DE" dirty="0" smtClean="0"/>
-              <a:t>Software </a:t>
+              <a:t> Software </a:t>
             </a:r>
             <a:r>
               <a:rPr lang="de-DE" dirty="0" err="1"/>
@@ -6648,7 +6745,7 @@
           <a:graphicData uri="http://schemas.openxmlformats.org/presentationml/2006/ole">
             <mc:AlternateContent xmlns:mc="http://schemas.openxmlformats.org/markup-compatibility/2006">
               <mc:Choice xmlns:v="urn:schemas-microsoft-com:vml" Requires="v">
-                <p:oleObj spid="_x0000_s154637" name="think-cell Folie" r:id="rId4" imgW="327" imgH="327" progId="TCLayout.ActiveDocument.1">
+                <p:oleObj spid="_x0000_s154641" name="think-cell Folie" r:id="rId4" imgW="327" imgH="327" progId="TCLayout.ActiveDocument.1">
                   <p:embed/>
                 </p:oleObj>
               </mc:Choice>
@@ -7549,7 +7646,6 @@
               <a:rPr lang="de-DE" b="1" dirty="0" smtClean="0"/>
               <a:t>):</a:t>
             </a:r>
-            <a:endParaRPr lang="de-DE" b="1" dirty="0" smtClean="0"/>
           </a:p>
           <a:p>
             <a:pPr marL="285750" indent="-285750">
@@ -8359,7 +8455,7 @@
           <a:graphicData uri="http://schemas.openxmlformats.org/presentationml/2006/ole">
             <mc:AlternateContent xmlns:mc="http://schemas.openxmlformats.org/markup-compatibility/2006">
               <mc:Choice xmlns:v="urn:schemas-microsoft-com:vml" Requires="v">
-                <p:oleObj spid="_x0000_s155661" name="think-cell Folie" r:id="rId4" imgW="290" imgH="290" progId="TCLayout.ActiveDocument.1">
+                <p:oleObj spid="_x0000_s155665" name="think-cell Folie" r:id="rId4" imgW="290" imgH="290" progId="TCLayout.ActiveDocument.1">
                   <p:embed/>
                 </p:oleObj>
               </mc:Choice>
@@ -10705,15 +10801,7 @@
                   <a:schemeClr val="bg1"/>
                 </a:solidFill>
               </a:rPr>
-              <a:t>Native Stack</a:t>
-            </a:r>
-            <a:r>
-              <a:rPr lang="de-DE" b="1" dirty="0" smtClean="0">
-                <a:solidFill>
-                  <a:schemeClr val="bg1"/>
-                </a:solidFill>
-              </a:rPr>
-              <a:t>!</a:t>
+              <a:t>Native Stack!</a:t>
             </a:r>
             <a:endParaRPr lang="de-DE" b="1" dirty="0">
               <a:solidFill>
@@ -10879,15 +10967,7 @@
                   <a:schemeClr val="bg1"/>
                 </a:solidFill>
               </a:rPr>
-              <a:t>The </a:t>
-            </a:r>
-            <a:r>
-              <a:rPr lang="de-DE" b="1" smtClean="0">
-                <a:solidFill>
-                  <a:schemeClr val="bg1"/>
-                </a:solidFill>
-              </a:rPr>
-              <a:t>4 </a:t>
+              <a:t>The 4 </a:t>
             </a:r>
             <a:r>
               <a:rPr lang="de-DE" b="1" dirty="0" smtClean="0">
@@ -11705,11 +11785,6 @@
               </a:rPr>
               <a:t>Cloud Native App</a:t>
             </a:r>
-            <a:endParaRPr lang="de-DE" sz="2400" dirty="0" smtClean="0">
-              <a:solidFill>
-                <a:schemeClr val="tx1"/>
-              </a:solidFill>
-            </a:endParaRPr>
           </a:p>
         </p:txBody>
       </p:sp>
@@ -12724,11 +12799,6 @@
               </a:rPr>
               <a:t>?</a:t>
             </a:r>
-            <a:endParaRPr lang="de-DE" sz="1600" dirty="0" smtClean="0">
-              <a:solidFill>
-                <a:schemeClr val="tx1"/>
-              </a:solidFill>
-            </a:endParaRPr>
           </a:p>
         </p:txBody>
       </p:sp>
@@ -12759,14 +12829,7 @@
                 <a:latin typeface="+mj-lt"/>
                 <a:ea typeface="Cambria Math" panose="02040503050406030204" pitchFamily="18" charset="0"/>
               </a:rPr>
-              <a:t>Cluster </a:t>
-            </a:r>
-            <a:r>
-              <a:rPr lang="de-DE" sz="2400" dirty="0" smtClean="0">
-                <a:latin typeface="+mj-lt"/>
-                <a:ea typeface="Cambria Math" panose="02040503050406030204" pitchFamily="18" charset="0"/>
-              </a:rPr>
-              <a:t>Operating System</a:t>
+              <a:t>Cluster Operating System</a:t>
             </a:r>
             <a:endParaRPr lang="de-DE" sz="2400" dirty="0">
               <a:latin typeface="+mj-lt"/>
@@ -13093,11 +13156,7 @@
           <a:p>
             <a:r>
               <a:rPr lang="de-DE" dirty="0" smtClean="0"/>
-              <a:t>The Cloud Native </a:t>
-            </a:r>
-            <a:r>
-              <a:rPr lang="de-DE" dirty="0" smtClean="0"/>
-              <a:t>Stack vs. Single </a:t>
+              <a:t>The Cloud Native Stack vs. Single </a:t>
             </a:r>
             <a:r>
               <a:rPr lang="de-DE" dirty="0" err="1" smtClean="0"/>
@@ -13279,14 +13338,7 @@
                 <a:latin typeface="+mj-lt"/>
                 <a:ea typeface="Cambria Math" panose="02040503050406030204" pitchFamily="18" charset="0"/>
               </a:rPr>
-              <a:t>Cluster </a:t>
-            </a:r>
-            <a:r>
-              <a:rPr lang="de-DE" sz="2400" dirty="0" smtClean="0">
-                <a:latin typeface="+mj-lt"/>
-                <a:ea typeface="Cambria Math" panose="02040503050406030204" pitchFamily="18" charset="0"/>
-              </a:rPr>
-              <a:t>Operating System</a:t>
+              <a:t>Cluster Operating System</a:t>
             </a:r>
             <a:endParaRPr lang="de-DE" sz="2400" dirty="0">
               <a:latin typeface="+mj-lt"/>
@@ -13924,7 +13976,7 @@
           <a:graphicData uri="http://schemas.openxmlformats.org/presentationml/2006/ole">
             <mc:AlternateContent xmlns:mc="http://schemas.openxmlformats.org/markup-compatibility/2006">
               <mc:Choice xmlns:v="urn:schemas-microsoft-com:vml" Requires="v">
-                <p:oleObj spid="_x0000_s149549" name="think-cell Folie" r:id="rId4" imgW="290" imgH="290" progId="TCLayout.ActiveDocument.1">
+                <p:oleObj spid="_x0000_s149553" name="think-cell Folie" r:id="rId4" imgW="290" imgH="290" progId="TCLayout.ActiveDocument.1">
                   <p:embed/>
                 </p:oleObj>
               </mc:Choice>

--- a/slides/01-microservices.pptx
+++ b/slides/01-microservices.pptx
@@ -235,7 +235,7 @@
             <a:fld id="{9B9DEF3A-83EA-5A42-9887-28D7600E3DEA}" type="datetimeFigureOut">
               <a:rPr lang="de-DE" smtClean="0"/>
               <a:pPr/>
-              <a:t>03.11.2016</a:t>
+              <a:t>03.11.16</a:t>
             </a:fld>
             <a:endParaRPr lang="de-DE"/>
           </a:p>
@@ -403,7 +403,7 @@
             <a:fld id="{24E86720-D4F8-544E-A070-C87B625BF7D9}" type="datetimeFigureOut">
               <a:rPr lang="de-DE" smtClean="0"/>
               <a:pPr/>
-              <a:t>03.11.2016</a:t>
+              <a:t>03.11.16</a:t>
             </a:fld>
             <a:endParaRPr lang="de-DE"/>
           </a:p>
@@ -1087,7 +1087,7 @@
           <a:graphicData uri="http://schemas.openxmlformats.org/presentationml/2006/ole">
             <mc:AlternateContent xmlns:mc="http://schemas.openxmlformats.org/markup-compatibility/2006">
               <mc:Choice xmlns:v="urn:schemas-microsoft-com:vml" Requires="v">
-                <p:oleObj spid="_x0000_s91608" name="think-cell Folie" r:id="rId4" imgW="270" imgH="270" progId="TCLayout.ActiveDocument.1">
+                <p:oleObj spid="_x0000_s91611" name="think-cell Folie" r:id="rId4" imgW="270" imgH="270" progId="TCLayout.ActiveDocument.1">
                   <p:embed/>
                 </p:oleObj>
               </mc:Choice>
@@ -1496,7 +1496,7 @@
           <a:graphicData uri="http://schemas.openxmlformats.org/presentationml/2006/ole">
             <mc:AlternateContent xmlns:mc="http://schemas.openxmlformats.org/markup-compatibility/2006">
               <mc:Choice xmlns:v="urn:schemas-microsoft-com:vml" Requires="v">
-                <p:oleObj spid="_x0000_s102819" name="think-cell Folie" r:id="rId4" imgW="270" imgH="270" progId="TCLayout.ActiveDocument.1">
+                <p:oleObj spid="_x0000_s102822" name="think-cell Folie" r:id="rId4" imgW="270" imgH="270" progId="TCLayout.ActiveDocument.1">
                   <p:embed/>
                 </p:oleObj>
               </mc:Choice>
@@ -1717,7 +1717,7 @@
           <a:graphicData uri="http://schemas.openxmlformats.org/presentationml/2006/ole">
             <mc:AlternateContent xmlns:mc="http://schemas.openxmlformats.org/markup-compatibility/2006">
               <mc:Choice xmlns:v="urn:schemas-microsoft-com:vml" Requires="v">
-                <p:oleObj spid="_x0000_s106888" name="think-cell Folie" r:id="rId4" imgW="270" imgH="270" progId="TCLayout.ActiveDocument.1">
+                <p:oleObj spid="_x0000_s106891" name="think-cell Folie" r:id="rId4" imgW="270" imgH="270" progId="TCLayout.ActiveDocument.1">
                   <p:embed/>
                 </p:oleObj>
               </mc:Choice>
@@ -1943,7 +1943,7 @@
           <a:graphicData uri="http://schemas.openxmlformats.org/presentationml/2006/ole">
             <mc:AlternateContent xmlns:mc="http://schemas.openxmlformats.org/markup-compatibility/2006">
               <mc:Choice xmlns:v="urn:schemas-microsoft-com:vml" Requires="v">
-                <p:oleObj spid="_x0000_s133351" name="think-cell Folie" r:id="rId8" imgW="359" imgH="358" progId="TCLayout.ActiveDocument.1">
+                <p:oleObj spid="_x0000_s133354" name="think-cell Folie" r:id="rId8" imgW="359" imgH="358" progId="TCLayout.ActiveDocument.1">
                   <p:embed/>
                 </p:oleObj>
               </mc:Choice>
@@ -3108,7 +3108,7 @@
             </a:r>
             <a:r>
               <a:rPr lang="de-DE" sz="2400" b="1" dirty="0" err="1" smtClean="0"/>
-              <a:t>sucess</a:t>
+              <a:t>success</a:t>
             </a:r>
             <a:r>
               <a:rPr lang="de-DE" sz="2400" b="1" dirty="0" smtClean="0"/>
@@ -3136,51 +3136,39 @@
             </a:r>
             <a:r>
               <a:rPr lang="de-DE" sz="2400" dirty="0" smtClean="0"/>
-              <a:t>).</a:t>
+              <a:t>). </a:t>
+            </a:r>
+            <a:r>
+              <a:rPr lang="de-DE" sz="2400" dirty="0" err="1"/>
+              <a:t>No</a:t>
+            </a:r>
+            <a:r>
+              <a:rPr lang="de-DE" sz="2400" dirty="0"/>
+              <a:t> </a:t>
+            </a:r>
+            <a:r>
+              <a:rPr lang="de-DE" sz="2400" dirty="0" err="1"/>
+              <a:t>opportunity</a:t>
+            </a:r>
+            <a:r>
+              <a:rPr lang="de-DE" sz="2400" dirty="0"/>
+              <a:t> </a:t>
+            </a:r>
+            <a:r>
+              <a:rPr lang="de-DE" sz="2400" dirty="0" err="1" smtClean="0"/>
+              <a:t>costs</a:t>
             </a:r>
             <a:r>
               <a:rPr lang="de-DE" sz="2400" dirty="0" smtClean="0"/>
               <a:t> </a:t>
             </a:r>
             <a:r>
-              <a:rPr lang="de-DE" sz="2400" dirty="0" err="1"/>
-              <a:t>No</a:t>
-            </a:r>
-            <a:r>
-              <a:rPr lang="de-DE" sz="2400" dirty="0"/>
-              <a:t> </a:t>
-            </a:r>
-            <a:r>
-              <a:rPr lang="de-DE" sz="2400" dirty="0" err="1"/>
-              <a:t>opportunity</a:t>
-            </a:r>
-            <a:r>
-              <a:rPr lang="de-DE" sz="2400" dirty="0"/>
-              <a:t> </a:t>
-            </a:r>
-            <a:r>
-              <a:rPr lang="de-DE" sz="2400" dirty="0" err="1" smtClean="0"/>
-              <a:t>costs</a:t>
-            </a:r>
-            <a:r>
-              <a:rPr lang="de-DE" sz="2400" dirty="0" smtClean="0"/>
-              <a:t> </a:t>
-            </a:r>
-            <a:r>
               <a:rPr lang="de-DE" sz="2400" dirty="0" err="1" smtClean="0"/>
               <a:t>with</a:t>
             </a:r>
             <a:r>
               <a:rPr lang="de-DE" sz="2400" dirty="0" smtClean="0"/>
-              <a:t> </a:t>
-            </a:r>
-            <a:r>
-              <a:rPr lang="de-DE" sz="2400" dirty="0" smtClean="0"/>
-              <a:t>&lt;10</a:t>
-            </a:r>
-            <a:r>
-              <a:rPr lang="de-DE" sz="2400" dirty="0" smtClean="0"/>
-              <a:t>% </a:t>
+              <a:t> &lt;10% </a:t>
             </a:r>
             <a:r>
               <a:rPr lang="de-DE" sz="2400" dirty="0" smtClean="0">
@@ -3883,7 +3871,7 @@
           <a:graphicData uri="http://schemas.openxmlformats.org/presentationml/2006/ole">
             <mc:AlternateContent xmlns:mc="http://schemas.openxmlformats.org/markup-compatibility/2006">
               <mc:Choice xmlns:v="urn:schemas-microsoft-com:vml" Requires="v">
-                <p:oleObj spid="_x0000_s153617" name="think-cell Folie" r:id="rId4" imgW="290" imgH="290" progId="TCLayout.ActiveDocument.1">
+                <p:oleObj spid="_x0000_s153620" name="think-cell Folie" r:id="rId4" imgW="290" imgH="290" progId="TCLayout.ActiveDocument.1">
                   <p:embed/>
                 </p:oleObj>
               </mc:Choice>
@@ -6745,7 +6733,7 @@
           <a:graphicData uri="http://schemas.openxmlformats.org/presentationml/2006/ole">
             <mc:AlternateContent xmlns:mc="http://schemas.openxmlformats.org/markup-compatibility/2006">
               <mc:Choice xmlns:v="urn:schemas-microsoft-com:vml" Requires="v">
-                <p:oleObj spid="_x0000_s154641" name="think-cell Folie" r:id="rId4" imgW="327" imgH="327" progId="TCLayout.ActiveDocument.1">
+                <p:oleObj spid="_x0000_s154644" name="think-cell Folie" r:id="rId4" imgW="327" imgH="327" progId="TCLayout.ActiveDocument.1">
                   <p:embed/>
                 </p:oleObj>
               </mc:Choice>
@@ -8455,7 +8443,7 @@
           <a:graphicData uri="http://schemas.openxmlformats.org/presentationml/2006/ole">
             <mc:AlternateContent xmlns:mc="http://schemas.openxmlformats.org/markup-compatibility/2006">
               <mc:Choice xmlns:v="urn:schemas-microsoft-com:vml" Requires="v">
-                <p:oleObj spid="_x0000_s155665" name="think-cell Folie" r:id="rId4" imgW="290" imgH="290" progId="TCLayout.ActiveDocument.1">
+                <p:oleObj spid="_x0000_s155668" name="think-cell Folie" r:id="rId4" imgW="290" imgH="290" progId="TCLayout.ActiveDocument.1">
                   <p:embed/>
                 </p:oleObj>
               </mc:Choice>
@@ -13976,7 +13964,7 @@
           <a:graphicData uri="http://schemas.openxmlformats.org/presentationml/2006/ole">
             <mc:AlternateContent xmlns:mc="http://schemas.openxmlformats.org/markup-compatibility/2006">
               <mc:Choice xmlns:v="urn:schemas-microsoft-com:vml" Requires="v">
-                <p:oleObj spid="_x0000_s149553" name="think-cell Folie" r:id="rId4" imgW="290" imgH="290" progId="TCLayout.ActiveDocument.1">
+                <p:oleObj spid="_x0000_s149556" name="think-cell Folie" r:id="rId4" imgW="290" imgH="290" progId="TCLayout.ActiveDocument.1">
                   <p:embed/>
                 </p:oleObj>
               </mc:Choice>
